--- a/slides/set_up_github.pptx
+++ b/slides/set_up_github.pptx
@@ -298,7 +298,7 @@
           <a:p>
             <a:fld id="{101939E0-87D2-4324-994D-4DC582997461}" type="datetimeFigureOut">
               <a:rPr lang="en-GB" smtClean="0"/>
-              <a:t>27/09/2013</a:t>
+              <a:t>28/09/2013</a:t>
             </a:fld>
             <a:endParaRPr lang="en-GB"/>
           </a:p>
@@ -468,7 +468,7 @@
           <a:p>
             <a:fld id="{101939E0-87D2-4324-994D-4DC582997461}" type="datetimeFigureOut">
               <a:rPr lang="en-GB" smtClean="0"/>
-              <a:t>27/09/2013</a:t>
+              <a:t>28/09/2013</a:t>
             </a:fld>
             <a:endParaRPr lang="en-GB"/>
           </a:p>
@@ -648,7 +648,7 @@
           <a:p>
             <a:fld id="{101939E0-87D2-4324-994D-4DC582997461}" type="datetimeFigureOut">
               <a:rPr lang="en-GB" smtClean="0"/>
-              <a:t>27/09/2013</a:t>
+              <a:t>28/09/2013</a:t>
             </a:fld>
             <a:endParaRPr lang="en-GB"/>
           </a:p>
@@ -818,7 +818,7 @@
           <a:p>
             <a:fld id="{101939E0-87D2-4324-994D-4DC582997461}" type="datetimeFigureOut">
               <a:rPr lang="en-GB" smtClean="0"/>
-              <a:t>27/09/2013</a:t>
+              <a:t>28/09/2013</a:t>
             </a:fld>
             <a:endParaRPr lang="en-GB"/>
           </a:p>
@@ -1064,7 +1064,7 @@
           <a:p>
             <a:fld id="{101939E0-87D2-4324-994D-4DC582997461}" type="datetimeFigureOut">
               <a:rPr lang="en-GB" smtClean="0"/>
-              <a:t>27/09/2013</a:t>
+              <a:t>28/09/2013</a:t>
             </a:fld>
             <a:endParaRPr lang="en-GB"/>
           </a:p>
@@ -1352,7 +1352,7 @@
           <a:p>
             <a:fld id="{101939E0-87D2-4324-994D-4DC582997461}" type="datetimeFigureOut">
               <a:rPr lang="en-GB" smtClean="0"/>
-              <a:t>27/09/2013</a:t>
+              <a:t>28/09/2013</a:t>
             </a:fld>
             <a:endParaRPr lang="en-GB"/>
           </a:p>
@@ -1774,7 +1774,7 @@
           <a:p>
             <a:fld id="{101939E0-87D2-4324-994D-4DC582997461}" type="datetimeFigureOut">
               <a:rPr lang="en-GB" smtClean="0"/>
-              <a:t>27/09/2013</a:t>
+              <a:t>28/09/2013</a:t>
             </a:fld>
             <a:endParaRPr lang="en-GB"/>
           </a:p>
@@ -1892,7 +1892,7 @@
           <a:p>
             <a:fld id="{101939E0-87D2-4324-994D-4DC582997461}" type="datetimeFigureOut">
               <a:rPr lang="en-GB" smtClean="0"/>
-              <a:t>27/09/2013</a:t>
+              <a:t>28/09/2013</a:t>
             </a:fld>
             <a:endParaRPr lang="en-GB"/>
           </a:p>
@@ -1987,7 +1987,7 @@
           <a:p>
             <a:fld id="{101939E0-87D2-4324-994D-4DC582997461}" type="datetimeFigureOut">
               <a:rPr lang="en-GB" smtClean="0"/>
-              <a:t>27/09/2013</a:t>
+              <a:t>28/09/2013</a:t>
             </a:fld>
             <a:endParaRPr lang="en-GB"/>
           </a:p>
@@ -2264,7 +2264,7 @@
           <a:p>
             <a:fld id="{101939E0-87D2-4324-994D-4DC582997461}" type="datetimeFigureOut">
               <a:rPr lang="en-GB" smtClean="0"/>
-              <a:t>27/09/2013</a:t>
+              <a:t>28/09/2013</a:t>
             </a:fld>
             <a:endParaRPr lang="en-GB"/>
           </a:p>
@@ -2517,7 +2517,7 @@
           <a:p>
             <a:fld id="{101939E0-87D2-4324-994D-4DC582997461}" type="datetimeFigureOut">
               <a:rPr lang="en-GB" smtClean="0"/>
-              <a:t>27/09/2013</a:t>
+              <a:t>28/09/2013</a:t>
             </a:fld>
             <a:endParaRPr lang="en-GB"/>
           </a:p>
@@ -2730,7 +2730,7 @@
           <a:p>
             <a:fld id="{101939E0-87D2-4324-994D-4DC582997461}" type="datetimeFigureOut">
               <a:rPr lang="en-GB" smtClean="0"/>
-              <a:t>27/09/2013</a:t>
+              <a:t>28/09/2013</a:t>
             </a:fld>
             <a:endParaRPr lang="en-GB"/>
           </a:p>
@@ -3145,11 +3145,7 @@
           <a:p>
             <a:r>
               <a:rPr lang="en-GB" dirty="0" smtClean="0"/>
-              <a:t>Sign up, new repository</a:t>
-            </a:r>
-            <a:r>
-              <a:rPr lang="en-GB" dirty="0" smtClean="0"/>
-              <a:t>, </a:t>
+              <a:t>Sign up, new repository, </a:t>
             </a:r>
             <a:r>
               <a:rPr lang="en-GB" dirty="0" err="1" smtClean="0"/>
@@ -3158,10 +3154,6 @@
             <a:r>
               <a:rPr lang="en-GB" dirty="0" smtClean="0"/>
               <a:t>,</a:t>
-            </a:r>
-            <a:r>
-              <a:rPr lang="en-GB" dirty="0" smtClean="0"/>
-              <a:t/>
             </a:r>
             <a:br>
               <a:rPr lang="en-GB" dirty="0" smtClean="0"/>
@@ -3288,17 +3280,11 @@
           <a:prstGeom prst="rect">
             <a:avLst/>
           </a:prstGeom>
-          <a:ln w="88900" cap="sq" cmpd="thickThin">
-            <a:solidFill>
-              <a:srgbClr val="000000"/>
-            </a:solidFill>
-            <a:prstDash val="solid"/>
-            <a:miter lim="800000"/>
+          <a:ln>
+            <a:noFill/>
           </a:ln>
           <a:effectLst>
-            <a:innerShdw blurRad="76200">
-              <a:srgbClr val="000000"/>
-            </a:innerShdw>
+            <a:softEdge rad="112500"/>
           </a:effectLst>
         </p:spPr>
       </p:pic>
@@ -3330,17 +3316,11 @@
           <a:prstGeom prst="rect">
             <a:avLst/>
           </a:prstGeom>
-          <a:ln w="88900" cap="sq" cmpd="thickThin">
-            <a:solidFill>
-              <a:srgbClr val="000000"/>
-            </a:solidFill>
-            <a:prstDash val="solid"/>
-            <a:miter lim="800000"/>
+          <a:ln>
+            <a:noFill/>
           </a:ln>
           <a:effectLst>
-            <a:innerShdw blurRad="76200">
-              <a:srgbClr val="000000"/>
-            </a:innerShdw>
+            <a:softEdge rad="112500"/>
           </a:effectLst>
         </p:spPr>
       </p:pic>
@@ -3373,17 +3353,11 @@
           <a:prstGeom prst="rect">
             <a:avLst/>
           </a:prstGeom>
-          <a:ln w="88900" cap="sq" cmpd="thickThin">
-            <a:solidFill>
-              <a:srgbClr val="000000"/>
-            </a:solidFill>
-            <a:prstDash val="solid"/>
-            <a:miter lim="800000"/>
+          <a:ln>
+            <a:noFill/>
           </a:ln>
           <a:effectLst>
-            <a:innerShdw blurRad="76200">
-              <a:srgbClr val="000000"/>
-            </a:innerShdw>
+            <a:softEdge rad="112500"/>
           </a:effectLst>
           <a:extLst>
             <a:ext uri="{909E8E84-426E-40DD-AFC4-6F175D3DCCD1}">
@@ -3583,17 +3557,11 @@
           <a:prstGeom prst="rect">
             <a:avLst/>
           </a:prstGeom>
-          <a:ln w="88900" cap="sq" cmpd="thickThin">
-            <a:solidFill>
-              <a:srgbClr val="000000"/>
-            </a:solidFill>
-            <a:prstDash val="solid"/>
-            <a:miter lim="800000"/>
+          <a:ln>
+            <a:noFill/>
           </a:ln>
           <a:effectLst>
-            <a:innerShdw blurRad="76200">
-              <a:srgbClr val="000000"/>
-            </a:innerShdw>
+            <a:softEdge rad="112500"/>
           </a:effectLst>
         </p:spPr>
       </p:pic>
@@ -3734,17 +3702,11 @@
           <a:prstGeom prst="rect">
             <a:avLst/>
           </a:prstGeom>
-          <a:ln w="88900" cap="sq" cmpd="thickThin">
-            <a:solidFill>
-              <a:srgbClr val="000000"/>
-            </a:solidFill>
-            <a:prstDash val="solid"/>
-            <a:miter lim="800000"/>
+          <a:ln>
+            <a:noFill/>
           </a:ln>
           <a:effectLst>
-            <a:innerShdw blurRad="76200">
-              <a:srgbClr val="000000"/>
-            </a:innerShdw>
+            <a:softEdge rad="112500"/>
           </a:effectLst>
         </p:spPr>
       </p:pic>
@@ -3882,17 +3844,11 @@
           <a:prstGeom prst="rect">
             <a:avLst/>
           </a:prstGeom>
-          <a:ln w="88900" cap="sq" cmpd="thickThin">
-            <a:solidFill>
-              <a:srgbClr val="000000"/>
-            </a:solidFill>
-            <a:prstDash val="solid"/>
-            <a:miter lim="800000"/>
+          <a:ln>
+            <a:noFill/>
           </a:ln>
           <a:effectLst>
-            <a:innerShdw blurRad="76200">
-              <a:srgbClr val="000000"/>
-            </a:innerShdw>
+            <a:softEdge rad="112500"/>
           </a:effectLst>
         </p:spPr>
       </p:pic>
@@ -4014,6 +3970,18 @@
         <p:blipFill>
           <a:blip r:embed="rId2" cstate="print">
             <a:extLst>
+              <a:ext uri="{BEBA8EAE-BF5A-486C-A8C5-ECC9F3942E4B}">
+                <a14:imgProps xmlns:a14="http://schemas.microsoft.com/office/drawing/2010/main">
+                  <a14:imgLayer r:embed="rId3">
+                    <a14:imgEffect>
+                      <a14:sharpenSoften amount="25000"/>
+                    </a14:imgEffect>
+                    <a14:imgEffect>
+                      <a14:brightnessContrast contrast="-40000"/>
+                    </a14:imgEffect>
+                  </a14:imgLayer>
+                </a14:imgProps>
+              </a:ext>
               <a:ext uri="{28A0092B-C50C-407E-A947-70E740481C1C}">
                 <a14:useLocalDpi xmlns:a14="http://schemas.microsoft.com/office/drawing/2010/main" val="0"/>
               </a:ext>
@@ -4031,17 +3999,11 @@
           <a:prstGeom prst="rect">
             <a:avLst/>
           </a:prstGeom>
-          <a:ln w="88900" cap="sq" cmpd="thickThin">
-            <a:solidFill>
-              <a:srgbClr val="000000"/>
-            </a:solidFill>
-            <a:prstDash val="solid"/>
-            <a:miter lim="800000"/>
+          <a:ln>
+            <a:noFill/>
           </a:ln>
           <a:effectLst>
-            <a:innerShdw blurRad="76200">
-              <a:srgbClr val="000000"/>
-            </a:innerShdw>
+            <a:softEdge rad="112500"/>
           </a:effectLst>
         </p:spPr>
       </p:pic>
@@ -4137,10 +4099,7 @@
             <a:avLst/>
           </a:prstGeom>
           <a:solidFill>
-            <a:schemeClr val="tx2">
-              <a:lumMod val="20000"/>
-              <a:lumOff val="80000"/>
-            </a:schemeClr>
+            <a:schemeClr val="tx1"/>
           </a:solidFill>
         </p:spPr>
         <p:txBody>
@@ -4153,7 +4112,7 @@
               <a:rPr lang="en-GB" sz="1300" dirty="0">
                 <a:solidFill>
                   <a:schemeClr val="accent6">
-                    <a:lumMod val="50000"/>
+                    <a:lumMod val="75000"/>
                   </a:schemeClr>
                 </a:solidFill>
                 <a:latin typeface="Envy Code R" panose="02000509000000020004" pitchFamily="49" charset="0"/>
@@ -4164,7 +4123,7 @@
               <a:rPr lang="en-GB" sz="1300" dirty="0" err="1">
                 <a:solidFill>
                   <a:schemeClr val="accent6">
-                    <a:lumMod val="50000"/>
+                    <a:lumMod val="75000"/>
                   </a:schemeClr>
                 </a:solidFill>
                 <a:latin typeface="Envy Code R" panose="02000509000000020004" pitchFamily="49" charset="0"/>
@@ -4175,7 +4134,7 @@
               <a:rPr lang="en-GB" sz="1300" dirty="0">
                 <a:solidFill>
                   <a:schemeClr val="accent6">
-                    <a:lumMod val="50000"/>
+                    <a:lumMod val="75000"/>
                   </a:schemeClr>
                 </a:solidFill>
                 <a:latin typeface="Envy Code R" panose="02000509000000020004" pitchFamily="49" charset="0"/>
@@ -4186,7 +4145,7 @@
               <a:rPr lang="en-GB" sz="1300" dirty="0" err="1">
                 <a:solidFill>
                   <a:schemeClr val="accent6">
-                    <a:lumMod val="50000"/>
+                    <a:lumMod val="75000"/>
                   </a:schemeClr>
                 </a:solidFill>
                 <a:latin typeface="Envy Code R" panose="02000509000000020004" pitchFamily="49" charset="0"/>
@@ -4196,7 +4155,7 @@
             <a:endParaRPr lang="en-GB" sz="1300" dirty="0">
               <a:solidFill>
                 <a:schemeClr val="accent6">
-                  <a:lumMod val="50000"/>
+                  <a:lumMod val="75000"/>
                 </a:schemeClr>
               </a:solidFill>
               <a:latin typeface="Envy Code R" panose="02000509000000020004" pitchFamily="49" charset="0"/>
@@ -4207,7 +4166,7 @@
               <a:rPr lang="en-GB" sz="1300" dirty="0">
                 <a:solidFill>
                   <a:schemeClr val="accent6">
-                    <a:lumMod val="50000"/>
+                    <a:lumMod val="75000"/>
                   </a:schemeClr>
                 </a:solidFill>
                 <a:latin typeface="Envy Code R" panose="02000509000000020004" pitchFamily="49" charset="0"/>
@@ -4218,7 +4177,7 @@
               <a:rPr lang="en-GB" sz="1300" dirty="0" err="1">
                 <a:solidFill>
                   <a:schemeClr val="accent6">
-                    <a:lumMod val="50000"/>
+                    <a:lumMod val="75000"/>
                   </a:schemeClr>
                 </a:solidFill>
                 <a:latin typeface="Envy Code R" panose="02000509000000020004" pitchFamily="49" charset="0"/>
@@ -4228,7 +4187,7 @@
             <a:endParaRPr lang="en-GB" sz="1300" dirty="0">
               <a:solidFill>
                 <a:schemeClr val="accent6">
-                  <a:lumMod val="50000"/>
+                  <a:lumMod val="75000"/>
                 </a:schemeClr>
               </a:solidFill>
               <a:latin typeface="Envy Code R" panose="02000509000000020004" pitchFamily="49" charset="0"/>
@@ -4239,7 +4198,7 @@
               <a:rPr lang="en-GB" sz="1300" dirty="0">
                 <a:solidFill>
                   <a:schemeClr val="accent6">
-                    <a:lumMod val="50000"/>
+                    <a:lumMod val="75000"/>
                   </a:schemeClr>
                 </a:solidFill>
                 <a:latin typeface="Envy Code R" panose="02000509000000020004" pitchFamily="49" charset="0"/>
@@ -4250,7 +4209,7 @@
               <a:rPr lang="en-GB" sz="1300" dirty="0" err="1">
                 <a:solidFill>
                   <a:schemeClr val="accent6">
-                    <a:lumMod val="50000"/>
+                    <a:lumMod val="75000"/>
                   </a:schemeClr>
                 </a:solidFill>
                 <a:latin typeface="Envy Code R" panose="02000509000000020004" pitchFamily="49" charset="0"/>
@@ -4260,7 +4219,7 @@
             <a:endParaRPr lang="en-GB" sz="1300" dirty="0">
               <a:solidFill>
                 <a:schemeClr val="accent6">
-                  <a:lumMod val="50000"/>
+                  <a:lumMod val="75000"/>
                 </a:schemeClr>
               </a:solidFill>
               <a:latin typeface="Envy Code R" panose="02000509000000020004" pitchFamily="49" charset="0"/>
@@ -4271,7 +4230,7 @@
               <a:rPr lang="en-GB" sz="1300" dirty="0">
                 <a:solidFill>
                   <a:schemeClr val="accent6">
-                    <a:lumMod val="50000"/>
+                    <a:lumMod val="75000"/>
                   </a:schemeClr>
                 </a:solidFill>
                 <a:latin typeface="Envy Code R" panose="02000509000000020004" pitchFamily="49" charset="0"/>
@@ -4282,7 +4241,7 @@
               <a:rPr lang="en-GB" sz="1300" dirty="0" err="1">
                 <a:solidFill>
                   <a:schemeClr val="accent6">
-                    <a:lumMod val="50000"/>
+                    <a:lumMod val="75000"/>
                   </a:schemeClr>
                 </a:solidFill>
                 <a:latin typeface="Envy Code R" panose="02000509000000020004" pitchFamily="49" charset="0"/>
@@ -4292,7 +4251,7 @@
             <a:endParaRPr lang="en-GB" sz="1300" dirty="0">
               <a:solidFill>
                 <a:schemeClr val="accent6">
-                  <a:lumMod val="50000"/>
+                  <a:lumMod val="75000"/>
                 </a:schemeClr>
               </a:solidFill>
               <a:latin typeface="Envy Code R" panose="02000509000000020004" pitchFamily="49" charset="0"/>
@@ -4303,7 +4262,7 @@
               <a:rPr lang="en-GB" sz="1300" dirty="0">
                 <a:solidFill>
                   <a:schemeClr val="accent6">
-                    <a:lumMod val="50000"/>
+                    <a:lumMod val="75000"/>
                   </a:schemeClr>
                 </a:solidFill>
                 <a:latin typeface="Envy Code R" panose="02000509000000020004" pitchFamily="49" charset="0"/>
@@ -4314,7 +4273,7 @@
               <a:rPr lang="en-GB" sz="1300" dirty="0" err="1">
                 <a:solidFill>
                   <a:schemeClr val="accent6">
-                    <a:lumMod val="50000"/>
+                    <a:lumMod val="75000"/>
                   </a:schemeClr>
                 </a:solidFill>
                 <a:latin typeface="Envy Code R" panose="02000509000000020004" pitchFamily="49" charset="0"/>
@@ -4324,7 +4283,7 @@
             <a:endParaRPr lang="en-GB" sz="1300" dirty="0">
               <a:solidFill>
                 <a:schemeClr val="accent6">
-                  <a:lumMod val="50000"/>
+                  <a:lumMod val="75000"/>
                 </a:schemeClr>
               </a:solidFill>
               <a:latin typeface="Envy Code R" panose="02000509000000020004" pitchFamily="49" charset="0"/>
@@ -4333,6 +4292,9 @@
           <a:p>
             <a:r>
               <a:rPr lang="en-GB" sz="1300" dirty="0">
+                <a:solidFill>
+                  <a:schemeClr val="bg1"/>
+                </a:solidFill>
                 <a:latin typeface="Envy Code R" panose="02000509000000020004" pitchFamily="49" charset="0"/>
               </a:rPr>
               <a:t>Initialized empty Git repository in c:/Users/rrd09/Documents/git_demo/.git/</a:t>
@@ -4343,7 +4305,7 @@
               <a:rPr lang="en-GB" sz="1300" dirty="0">
                 <a:solidFill>
                   <a:schemeClr val="accent6">
-                    <a:lumMod val="50000"/>
+                    <a:lumMod val="75000"/>
                   </a:schemeClr>
                 </a:solidFill>
                 <a:latin typeface="Envy Code R" panose="02000509000000020004" pitchFamily="49" charset="0"/>
@@ -4356,7 +4318,7 @@
               <a:rPr lang="en-GB" sz="1300" dirty="0">
                 <a:solidFill>
                   <a:schemeClr val="accent6">
-                    <a:lumMod val="50000"/>
+                    <a:lumMod val="75000"/>
                   </a:schemeClr>
                 </a:solidFill>
                 <a:latin typeface="Envy Code R" panose="02000509000000020004" pitchFamily="49" charset="0"/>
@@ -4367,6 +4329,9 @@
           <a:p>
             <a:r>
               <a:rPr lang="en-GB" sz="1300" dirty="0">
+                <a:solidFill>
+                  <a:schemeClr val="bg1"/>
+                </a:solidFill>
                 <a:latin typeface="Envy Code R" panose="02000509000000020004" pitchFamily="49" charset="0"/>
               </a:rPr>
               <a:t># On branch master</a:t>
@@ -4375,6 +4340,9 @@
           <a:p>
             <a:r>
               <a:rPr lang="en-GB" sz="1300" dirty="0">
+                <a:solidFill>
+                  <a:schemeClr val="bg1"/>
+                </a:solidFill>
                 <a:latin typeface="Envy Code R" panose="02000509000000020004" pitchFamily="49" charset="0"/>
               </a:rPr>
               <a:t># Initial commit</a:t>
@@ -4383,6 +4351,9 @@
           <a:p>
             <a:r>
               <a:rPr lang="en-GB" sz="1300" dirty="0">
+                <a:solidFill>
+                  <a:schemeClr val="bg1"/>
+                </a:solidFill>
                 <a:latin typeface="Envy Code R" panose="02000509000000020004" pitchFamily="49" charset="0"/>
               </a:rPr>
               <a:t># Changes to be committed:</a:t>
@@ -4391,34 +4362,52 @@
           <a:p>
             <a:r>
               <a:rPr lang="en-GB" sz="1300" dirty="0">
+                <a:solidFill>
+                  <a:schemeClr val="bg1"/>
+                </a:solidFill>
                 <a:latin typeface="Envy Code R" panose="02000509000000020004" pitchFamily="49" charset="0"/>
               </a:rPr>
               <a:t>#       new file:   </a:t>
             </a:r>
             <a:r>
               <a:rPr lang="en-GB" sz="1300" dirty="0" err="1">
+                <a:solidFill>
+                  <a:schemeClr val="bg1"/>
+                </a:solidFill>
                 <a:latin typeface="Envy Code R" panose="02000509000000020004" pitchFamily="49" charset="0"/>
               </a:rPr>
               <a:t>newfile</a:t>
             </a:r>
             <a:endParaRPr lang="en-GB" sz="1300" dirty="0">
+              <a:solidFill>
+                <a:schemeClr val="bg1"/>
+              </a:solidFill>
               <a:latin typeface="Envy Code R" panose="02000509000000020004" pitchFamily="49" charset="0"/>
             </a:endParaRPr>
           </a:p>
           <a:p>
             <a:r>
               <a:rPr lang="en-GB" sz="1300" dirty="0">
+                <a:solidFill>
+                  <a:schemeClr val="bg1"/>
+                </a:solidFill>
                 <a:latin typeface="Envy Code R" panose="02000509000000020004" pitchFamily="49" charset="0"/>
               </a:rPr>
               <a:t>#       new file:   </a:t>
             </a:r>
             <a:r>
               <a:rPr lang="en-GB" sz="1300" dirty="0" err="1">
+                <a:solidFill>
+                  <a:schemeClr val="bg1"/>
+                </a:solidFill>
                 <a:latin typeface="Envy Code R" panose="02000509000000020004" pitchFamily="49" charset="0"/>
               </a:rPr>
               <a:t>newfiletwo</a:t>
             </a:r>
             <a:endParaRPr lang="en-GB" sz="1300" dirty="0">
+              <a:solidFill>
+                <a:schemeClr val="bg1"/>
+              </a:solidFill>
               <a:latin typeface="Envy Code R" panose="02000509000000020004" pitchFamily="49" charset="0"/>
             </a:endParaRPr>
           </a:p>
@@ -4427,7 +4416,7 @@
               <a:rPr lang="en-GB" sz="1300" dirty="0">
                 <a:solidFill>
                   <a:schemeClr val="accent6">
-                    <a:lumMod val="50000"/>
+                    <a:lumMod val="75000"/>
                   </a:schemeClr>
                 </a:solidFill>
                 <a:latin typeface="Envy Code R" panose="02000509000000020004" pitchFamily="49" charset="0"/>
@@ -4438,6 +4427,9 @@
           <a:p>
             <a:r>
               <a:rPr lang="en-GB" sz="1300" dirty="0">
+                <a:solidFill>
+                  <a:schemeClr val="bg1"/>
+                </a:solidFill>
                 <a:latin typeface="Envy Code R" panose="02000509000000020004" pitchFamily="49" charset="0"/>
               </a:rPr>
               <a:t>[master (root-commit) 10c29dd] initial commit</a:t>
@@ -4446,6 +4438,9 @@
           <a:p>
             <a:r>
               <a:rPr lang="en-GB" sz="1300" dirty="0">
+                <a:solidFill>
+                  <a:schemeClr val="bg1"/>
+                </a:solidFill>
                 <a:latin typeface="Envy Code R" panose="02000509000000020004" pitchFamily="49" charset="0"/>
               </a:rPr>
               <a:t>2 files changed, 2 insertions(+)</a:t>
@@ -4454,34 +4449,52 @@
           <a:p>
             <a:r>
               <a:rPr lang="en-GB" sz="1300" dirty="0">
+                <a:solidFill>
+                  <a:schemeClr val="bg1"/>
+                </a:solidFill>
                 <a:latin typeface="Envy Code R" panose="02000509000000020004" pitchFamily="49" charset="0"/>
               </a:rPr>
               <a:t> create mode 100644 </a:t>
             </a:r>
             <a:r>
               <a:rPr lang="en-GB" sz="1300" dirty="0" err="1">
+                <a:solidFill>
+                  <a:schemeClr val="bg1"/>
+                </a:solidFill>
                 <a:latin typeface="Envy Code R" panose="02000509000000020004" pitchFamily="49" charset="0"/>
               </a:rPr>
               <a:t>newfile</a:t>
             </a:r>
             <a:endParaRPr lang="en-GB" sz="1300" dirty="0">
+              <a:solidFill>
+                <a:schemeClr val="bg1"/>
+              </a:solidFill>
               <a:latin typeface="Envy Code R" panose="02000509000000020004" pitchFamily="49" charset="0"/>
             </a:endParaRPr>
           </a:p>
           <a:p>
             <a:r>
               <a:rPr lang="en-GB" sz="1300" dirty="0">
+                <a:solidFill>
+                  <a:schemeClr val="bg1"/>
+                </a:solidFill>
                 <a:latin typeface="Envy Code R" panose="02000509000000020004" pitchFamily="49" charset="0"/>
               </a:rPr>
               <a:t> create mode 100644 </a:t>
             </a:r>
             <a:r>
               <a:rPr lang="en-GB" sz="1300" dirty="0" err="1" smtClean="0">
+                <a:solidFill>
+                  <a:schemeClr val="bg1"/>
+                </a:solidFill>
                 <a:latin typeface="Envy Code R" panose="02000509000000020004" pitchFamily="49" charset="0"/>
               </a:rPr>
               <a:t>newfiletwo</a:t>
             </a:r>
             <a:endParaRPr lang="en-GB" sz="1300" dirty="0">
+              <a:solidFill>
+                <a:schemeClr val="bg1"/>
+              </a:solidFill>
               <a:latin typeface="Envy Code R" panose="02000509000000020004" pitchFamily="49" charset="0"/>
             </a:endParaRPr>
           </a:p>
@@ -4502,10 +4515,7 @@
             <a:avLst/>
           </a:prstGeom>
           <a:solidFill>
-            <a:schemeClr val="tx2">
-              <a:lumMod val="20000"/>
-              <a:lumOff val="80000"/>
-            </a:schemeClr>
+            <a:schemeClr val="tx1"/>
           </a:solidFill>
         </p:spPr>
         <p:txBody>
@@ -4518,7 +4528,7 @@
               <a:rPr lang="en-GB" sz="1300" dirty="0">
                 <a:solidFill>
                   <a:schemeClr val="accent6">
-                    <a:lumMod val="50000"/>
+                    <a:lumMod val="75000"/>
                   </a:schemeClr>
                 </a:solidFill>
                 <a:latin typeface="Envy Code R" panose="02000509000000020004" pitchFamily="49" charset="0"/>
@@ -4531,7 +4541,7 @@
               <a:rPr lang="en-GB" sz="1300" dirty="0">
                 <a:solidFill>
                   <a:schemeClr val="accent6">
-                    <a:lumMod val="50000"/>
+                    <a:lumMod val="75000"/>
                   </a:schemeClr>
                 </a:solidFill>
                 <a:latin typeface="Envy Code R" panose="02000509000000020004" pitchFamily="49" charset="0"/>
@@ -4542,6 +4552,9 @@
           <a:p>
             <a:r>
               <a:rPr lang="en-GB" sz="1300" dirty="0">
+                <a:solidFill>
+                  <a:schemeClr val="bg1"/>
+                </a:solidFill>
                 <a:latin typeface="Envy Code R" panose="02000509000000020004" pitchFamily="49" charset="0"/>
               </a:rPr>
               <a:t>Username for 'https://github.com': </a:t>
@@ -4549,9 +4562,7 @@
             <a:r>
               <a:rPr lang="en-GB" sz="1300" dirty="0" err="1">
                 <a:solidFill>
-                  <a:schemeClr val="accent6">
-                    <a:lumMod val="50000"/>
-                  </a:schemeClr>
+                  <a:schemeClr val="bg1"/>
                 </a:solidFill>
                 <a:latin typeface="Envy Code R" panose="02000509000000020004" pitchFamily="49" charset="0"/>
               </a:rPr>
@@ -4559,9 +4570,7 @@
             </a:r>
             <a:endParaRPr lang="en-GB" sz="1300" dirty="0">
               <a:solidFill>
-                <a:schemeClr val="accent6">
-                  <a:lumMod val="50000"/>
-                </a:schemeClr>
+                <a:schemeClr val="bg1"/>
               </a:solidFill>
               <a:latin typeface="Envy Code R" panose="02000509000000020004" pitchFamily="49" charset="0"/>
             </a:endParaRPr>
@@ -4569,6 +4578,9 @@
           <a:p>
             <a:r>
               <a:rPr lang="en-GB" sz="1300" dirty="0">
+                <a:solidFill>
+                  <a:schemeClr val="bg1"/>
+                </a:solidFill>
                 <a:latin typeface="Envy Code R" panose="02000509000000020004" pitchFamily="49" charset="0"/>
               </a:rPr>
               <a:t>Password for 'https://abergitdemo@github.com':</a:t>
@@ -4577,6 +4589,9 @@
           <a:p>
             <a:r>
               <a:rPr lang="en-GB" sz="1300" dirty="0">
+                <a:solidFill>
+                  <a:schemeClr val="bg1"/>
+                </a:solidFill>
                 <a:latin typeface="Envy Code R" panose="02000509000000020004" pitchFamily="49" charset="0"/>
               </a:rPr>
               <a:t>Counting objects: 4, done.</a:t>
@@ -4585,6 +4600,9 @@
           <a:p>
             <a:r>
               <a:rPr lang="en-GB" sz="1300" dirty="0">
+                <a:solidFill>
+                  <a:schemeClr val="bg1"/>
+                </a:solidFill>
                 <a:latin typeface="Envy Code R" panose="02000509000000020004" pitchFamily="49" charset="0"/>
               </a:rPr>
               <a:t>Delta compression using up to 4 threads.</a:t>
@@ -4593,6 +4611,9 @@
           <a:p>
             <a:r>
               <a:rPr lang="en-GB" sz="1300" dirty="0">
+                <a:solidFill>
+                  <a:schemeClr val="bg1"/>
+                </a:solidFill>
                 <a:latin typeface="Envy Code R" panose="02000509000000020004" pitchFamily="49" charset="0"/>
               </a:rPr>
               <a:t>Compressing objects: 100% (2/2), done.</a:t>
@@ -4601,29 +4622,44 @@
           <a:p>
             <a:r>
               <a:rPr lang="en-GB" sz="1300" dirty="0">
+                <a:solidFill>
+                  <a:schemeClr val="bg1"/>
+                </a:solidFill>
                 <a:latin typeface="Envy Code R" panose="02000509000000020004" pitchFamily="49" charset="0"/>
               </a:rPr>
               <a:t>Writing objects: 100% (4/4</a:t>
             </a:r>
             <a:r>
               <a:rPr lang="en-GB" sz="1300" dirty="0" smtClean="0">
+                <a:solidFill>
+                  <a:schemeClr val="bg1"/>
+                </a:solidFill>
                 <a:latin typeface="Envy Code R" panose="02000509000000020004" pitchFamily="49" charset="0"/>
               </a:rPr>
               <a:t>),</a:t>
             </a:r>
             <a:br>
               <a:rPr lang="en-GB" sz="1300" dirty="0" smtClean="0">
+                <a:solidFill>
+                  <a:schemeClr val="bg1"/>
+                </a:solidFill>
                 <a:latin typeface="Envy Code R" panose="02000509000000020004" pitchFamily="49" charset="0"/>
               </a:rPr>
             </a:br>
             <a:r>
               <a:rPr lang="en-GB" sz="1300" dirty="0" smtClean="0">
+                <a:solidFill>
+                  <a:schemeClr val="bg1"/>
+                </a:solidFill>
                 <a:latin typeface="Envy Code R" panose="02000509000000020004" pitchFamily="49" charset="0"/>
               </a:rPr>
               <a:t>270 </a:t>
             </a:r>
             <a:r>
               <a:rPr lang="en-GB" sz="1300" dirty="0">
+                <a:solidFill>
+                  <a:schemeClr val="bg1"/>
+                </a:solidFill>
                 <a:latin typeface="Envy Code R" panose="02000509000000020004" pitchFamily="49" charset="0"/>
               </a:rPr>
               <a:t>bytes | 0 bytes/s, done.</a:t>
@@ -4632,6 +4668,9 @@
           <a:p>
             <a:r>
               <a:rPr lang="en-GB" sz="1300" dirty="0">
+                <a:solidFill>
+                  <a:schemeClr val="bg1"/>
+                </a:solidFill>
                 <a:latin typeface="Envy Code R" panose="02000509000000020004" pitchFamily="49" charset="0"/>
               </a:rPr>
               <a:t>Total 4 (delta 0), reused 0 (delta 0)</a:t>
@@ -4640,6 +4679,9 @@
           <a:p>
             <a:r>
               <a:rPr lang="en-GB" sz="1300" dirty="0">
+                <a:solidFill>
+                  <a:schemeClr val="bg1"/>
+                </a:solidFill>
                 <a:latin typeface="Envy Code R" panose="02000509000000020004" pitchFamily="49" charset="0"/>
               </a:rPr>
               <a:t>To https://github.com/abergitdemo/git_demo.git</a:t>
@@ -4648,6 +4690,9 @@
           <a:p>
             <a:r>
               <a:rPr lang="en-GB" sz="1300" dirty="0">
+                <a:solidFill>
+                  <a:schemeClr val="bg1"/>
+                </a:solidFill>
                 <a:latin typeface="Envy Code R" panose="02000509000000020004" pitchFamily="49" charset="0"/>
               </a:rPr>
               <a:t> * [new branch]      master -&gt; master</a:t>
@@ -4656,18 +4701,27 @@
           <a:p>
             <a:r>
               <a:rPr lang="en-GB" sz="1300" dirty="0">
+                <a:solidFill>
+                  <a:schemeClr val="bg1"/>
+                </a:solidFill>
                 <a:latin typeface="Envy Code R" panose="02000509000000020004" pitchFamily="49" charset="0"/>
               </a:rPr>
               <a:t>Branch master set up to track remote branch master from origin</a:t>
             </a:r>
             <a:r>
               <a:rPr lang="en-GB" sz="1300" dirty="0" smtClean="0">
+                <a:solidFill>
+                  <a:schemeClr val="bg1"/>
+                </a:solidFill>
                 <a:latin typeface="Envy Code R" panose="02000509000000020004" pitchFamily="49" charset="0"/>
               </a:rPr>
               <a:t>.</a:t>
             </a:r>
             <a:br>
               <a:rPr lang="en-GB" sz="1300" dirty="0" smtClean="0">
+                <a:solidFill>
+                  <a:schemeClr val="bg1"/>
+                </a:solidFill>
                 <a:latin typeface="Envy Code R" panose="02000509000000020004" pitchFamily="49" charset="0"/>
               </a:rPr>
             </a:br>
@@ -4675,7 +4729,7 @@
               <a:rPr lang="en-GB" sz="1300" dirty="0" smtClean="0">
                 <a:solidFill>
                   <a:schemeClr val="accent6">
-                    <a:lumMod val="50000"/>
+                    <a:lumMod val="75000"/>
                   </a:schemeClr>
                 </a:solidFill>
                 <a:latin typeface="Envy Code R" panose="02000509000000020004" pitchFamily="49" charset="0"/>
@@ -4686,6 +4740,9 @@
           <a:p>
             <a:r>
               <a:rPr lang="en-GB" sz="1300" dirty="0" smtClean="0">
+                <a:solidFill>
+                  <a:schemeClr val="bg1"/>
+                </a:solidFill>
                 <a:latin typeface="Envy Code R" panose="02000509000000020004" pitchFamily="49" charset="0"/>
               </a:rPr>
               <a:t># On branch master</a:t>
@@ -4694,16 +4751,25 @@
           <a:p>
             <a:r>
               <a:rPr lang="en-GB" sz="1300" dirty="0" smtClean="0">
+                <a:solidFill>
+                  <a:schemeClr val="bg1"/>
+                </a:solidFill>
                 <a:latin typeface="Envy Code R" panose="02000509000000020004" pitchFamily="49" charset="0"/>
               </a:rPr>
               <a:t>nothing to commit, working directory clean</a:t>
             </a:r>
             <a:br>
               <a:rPr lang="en-GB" sz="1300" dirty="0" smtClean="0">
+                <a:solidFill>
+                  <a:schemeClr val="bg1"/>
+                </a:solidFill>
                 <a:latin typeface="Envy Code R" panose="02000509000000020004" pitchFamily="49" charset="0"/>
               </a:rPr>
             </a:br>
             <a:endParaRPr lang="en-GB" sz="1300" dirty="0" smtClean="0">
+              <a:solidFill>
+                <a:schemeClr val="bg1"/>
+              </a:solidFill>
               <a:latin typeface="Envy Code R" panose="02000509000000020004" pitchFamily="49" charset="0"/>
             </a:endParaRPr>
           </a:p>
@@ -4996,6 +5062,18 @@
         <p:blipFill>
           <a:blip r:embed="rId2" cstate="print">
             <a:extLst>
+              <a:ext uri="{BEBA8EAE-BF5A-486C-A8C5-ECC9F3942E4B}">
+                <a14:imgProps xmlns:a14="http://schemas.microsoft.com/office/drawing/2010/main">
+                  <a14:imgLayer r:embed="rId3">
+                    <a14:imgEffect>
+                      <a14:sharpenSoften amount="25000"/>
+                    </a14:imgEffect>
+                    <a14:imgEffect>
+                      <a14:brightnessContrast contrast="-40000"/>
+                    </a14:imgEffect>
+                  </a14:imgLayer>
+                </a14:imgProps>
+              </a:ext>
               <a:ext uri="{28A0092B-C50C-407E-A947-70E740481C1C}">
                 <a14:useLocalDpi xmlns:a14="http://schemas.microsoft.com/office/drawing/2010/main" val="0"/>
               </a:ext>
@@ -5013,17 +5091,11 @@
           <a:prstGeom prst="rect">
             <a:avLst/>
           </a:prstGeom>
-          <a:ln w="88900" cap="sq" cmpd="thickThin">
-            <a:solidFill>
-              <a:srgbClr val="000000"/>
-            </a:solidFill>
-            <a:prstDash val="solid"/>
-            <a:miter lim="800000"/>
+          <a:ln>
+            <a:noFill/>
           </a:ln>
           <a:effectLst>
-            <a:innerShdw blurRad="76200">
-              <a:srgbClr val="000000"/>
-            </a:innerShdw>
+            <a:softEdge rad="112500"/>
           </a:effectLst>
         </p:spPr>
       </p:pic>
@@ -5102,6 +5174,18 @@
         <p:blipFill>
           <a:blip r:embed="rId2" cstate="print">
             <a:extLst>
+              <a:ext uri="{BEBA8EAE-BF5A-486C-A8C5-ECC9F3942E4B}">
+                <a14:imgProps xmlns:a14="http://schemas.microsoft.com/office/drawing/2010/main">
+                  <a14:imgLayer r:embed="rId3">
+                    <a14:imgEffect>
+                      <a14:sharpenSoften amount="25000"/>
+                    </a14:imgEffect>
+                    <a14:imgEffect>
+                      <a14:brightnessContrast contrast="-40000"/>
+                    </a14:imgEffect>
+                  </a14:imgLayer>
+                </a14:imgProps>
+              </a:ext>
               <a:ext uri="{28A0092B-C50C-407E-A947-70E740481C1C}">
                 <a14:useLocalDpi xmlns:a14="http://schemas.microsoft.com/office/drawing/2010/main" val="0"/>
               </a:ext>
@@ -5119,17 +5203,11 @@
           <a:prstGeom prst="rect">
             <a:avLst/>
           </a:prstGeom>
-          <a:ln w="88900" cap="sq" cmpd="thickThin">
-            <a:solidFill>
-              <a:srgbClr val="000000"/>
-            </a:solidFill>
-            <a:prstDash val="solid"/>
-            <a:miter lim="800000"/>
+          <a:ln>
+            <a:noFill/>
           </a:ln>
           <a:effectLst>
-            <a:innerShdw blurRad="76200">
-              <a:srgbClr val="000000"/>
-            </a:innerShdw>
+            <a:softEdge rad="112500"/>
           </a:effectLst>
         </p:spPr>
       </p:pic>

--- a/slides/set_up_github.pptx
+++ b/slides/set_up_github.pptx
@@ -298,7 +298,7 @@
           <a:p>
             <a:fld id="{101939E0-87D2-4324-994D-4DC582997461}" type="datetimeFigureOut">
               <a:rPr lang="en-GB" smtClean="0"/>
-              <a:t>28/09/2013</a:t>
+              <a:t>30/09/2013</a:t>
             </a:fld>
             <a:endParaRPr lang="en-GB"/>
           </a:p>
@@ -468,7 +468,7 @@
           <a:p>
             <a:fld id="{101939E0-87D2-4324-994D-4DC582997461}" type="datetimeFigureOut">
               <a:rPr lang="en-GB" smtClean="0"/>
-              <a:t>28/09/2013</a:t>
+              <a:t>30/09/2013</a:t>
             </a:fld>
             <a:endParaRPr lang="en-GB"/>
           </a:p>
@@ -648,7 +648,7 @@
           <a:p>
             <a:fld id="{101939E0-87D2-4324-994D-4DC582997461}" type="datetimeFigureOut">
               <a:rPr lang="en-GB" smtClean="0"/>
-              <a:t>28/09/2013</a:t>
+              <a:t>30/09/2013</a:t>
             </a:fld>
             <a:endParaRPr lang="en-GB"/>
           </a:p>
@@ -818,7 +818,7 @@
           <a:p>
             <a:fld id="{101939E0-87D2-4324-994D-4DC582997461}" type="datetimeFigureOut">
               <a:rPr lang="en-GB" smtClean="0"/>
-              <a:t>28/09/2013</a:t>
+              <a:t>30/09/2013</a:t>
             </a:fld>
             <a:endParaRPr lang="en-GB"/>
           </a:p>
@@ -1064,7 +1064,7 @@
           <a:p>
             <a:fld id="{101939E0-87D2-4324-994D-4DC582997461}" type="datetimeFigureOut">
               <a:rPr lang="en-GB" smtClean="0"/>
-              <a:t>28/09/2013</a:t>
+              <a:t>30/09/2013</a:t>
             </a:fld>
             <a:endParaRPr lang="en-GB"/>
           </a:p>
@@ -1352,7 +1352,7 @@
           <a:p>
             <a:fld id="{101939E0-87D2-4324-994D-4DC582997461}" type="datetimeFigureOut">
               <a:rPr lang="en-GB" smtClean="0"/>
-              <a:t>28/09/2013</a:t>
+              <a:t>30/09/2013</a:t>
             </a:fld>
             <a:endParaRPr lang="en-GB"/>
           </a:p>
@@ -1774,7 +1774,7 @@
           <a:p>
             <a:fld id="{101939E0-87D2-4324-994D-4DC582997461}" type="datetimeFigureOut">
               <a:rPr lang="en-GB" smtClean="0"/>
-              <a:t>28/09/2013</a:t>
+              <a:t>30/09/2013</a:t>
             </a:fld>
             <a:endParaRPr lang="en-GB"/>
           </a:p>
@@ -1892,7 +1892,7 @@
           <a:p>
             <a:fld id="{101939E0-87D2-4324-994D-4DC582997461}" type="datetimeFigureOut">
               <a:rPr lang="en-GB" smtClean="0"/>
-              <a:t>28/09/2013</a:t>
+              <a:t>30/09/2013</a:t>
             </a:fld>
             <a:endParaRPr lang="en-GB"/>
           </a:p>
@@ -1987,7 +1987,7 @@
           <a:p>
             <a:fld id="{101939E0-87D2-4324-994D-4DC582997461}" type="datetimeFigureOut">
               <a:rPr lang="en-GB" smtClean="0"/>
-              <a:t>28/09/2013</a:t>
+              <a:t>30/09/2013</a:t>
             </a:fld>
             <a:endParaRPr lang="en-GB"/>
           </a:p>
@@ -2264,7 +2264,7 @@
           <a:p>
             <a:fld id="{101939E0-87D2-4324-994D-4DC582997461}" type="datetimeFigureOut">
               <a:rPr lang="en-GB" smtClean="0"/>
-              <a:t>28/09/2013</a:t>
+              <a:t>30/09/2013</a:t>
             </a:fld>
             <a:endParaRPr lang="en-GB"/>
           </a:p>
@@ -2517,7 +2517,7 @@
           <a:p>
             <a:fld id="{101939E0-87D2-4324-994D-4DC582997461}" type="datetimeFigureOut">
               <a:rPr lang="en-GB" smtClean="0"/>
-              <a:t>28/09/2013</a:t>
+              <a:t>30/09/2013</a:t>
             </a:fld>
             <a:endParaRPr lang="en-GB"/>
           </a:p>
@@ -2730,7 +2730,7 @@
           <a:p>
             <a:fld id="{101939E0-87D2-4324-994D-4DC582997461}" type="datetimeFigureOut">
               <a:rPr lang="en-GB" smtClean="0"/>
-              <a:t>28/09/2013</a:t>
+              <a:t>30/09/2013</a:t>
             </a:fld>
             <a:endParaRPr lang="en-GB"/>
           </a:p>
@@ -3828,18 +3828,30 @@
         <p:blipFill rotWithShape="1">
           <a:blip r:embed="rId2" cstate="print">
             <a:extLst>
+              <a:ext uri="{BEBA8EAE-BF5A-486C-A8C5-ECC9F3942E4B}">
+                <a14:imgProps xmlns:a14="http://schemas.microsoft.com/office/drawing/2010/main">
+                  <a14:imgLayer r:embed="rId3">
+                    <a14:imgEffect>
+                      <a14:sharpenSoften amount="25000"/>
+                    </a14:imgEffect>
+                    <a14:imgEffect>
+                      <a14:brightnessContrast contrast="-40000"/>
+                    </a14:imgEffect>
+                  </a14:imgLayer>
+                </a14:imgProps>
+              </a:ext>
               <a:ext uri="{28A0092B-C50C-407E-A947-70E740481C1C}">
                 <a14:useLocalDpi xmlns:a14="http://schemas.microsoft.com/office/drawing/2010/main" val="0"/>
               </a:ext>
             </a:extLst>
           </a:blip>
-          <a:srcRect b="2642"/>
+          <a:srcRect l="16403" r="16201" b="24259"/>
           <a:stretch/>
         </p:blipFill>
         <p:spPr>
           <a:xfrm>
-            <a:off x="1056640" y="1600200"/>
-            <a:ext cx="7030720" cy="4525200"/>
+            <a:off x="1223628" y="1600199"/>
+            <a:ext cx="6696744" cy="4975343"/>
           </a:xfrm>
           <a:prstGeom prst="rect">
             <a:avLst/>
@@ -3860,8 +3872,8 @@
         </p:nvSpPr>
         <p:spPr>
           <a:xfrm>
-            <a:off x="5148064" y="3789040"/>
-            <a:ext cx="1800200" cy="864096"/>
+            <a:off x="5454000" y="4797152"/>
+            <a:ext cx="2376264" cy="1008112"/>
           </a:xfrm>
           <a:prstGeom prst="rect">
             <a:avLst/>
@@ -3967,7 +3979,7 @@
             <p:ph idx="1"/>
           </p:nvPr>
         </p:nvPicPr>
-        <p:blipFill>
+        <p:blipFill rotWithShape="1">
           <a:blip r:embed="rId2" cstate="print">
             <a:extLst>
               <a:ext uri="{BEBA8EAE-BF5A-486C-A8C5-ECC9F3942E4B}">
@@ -3987,14 +3999,13 @@
               </a:ext>
             </a:extLst>
           </a:blip>
-          <a:stretch>
-            <a:fillRect/>
-          </a:stretch>
+          <a:srcRect l="17377" r="17269" b="44993"/>
+          <a:stretch/>
         </p:blipFill>
         <p:spPr>
           <a:xfrm>
-            <a:off x="1056640" y="1600201"/>
-            <a:ext cx="7030720" cy="4525200"/>
+            <a:off x="92635" y="1600202"/>
+            <a:ext cx="8958731" cy="4853134"/>
           </a:xfrm>
           <a:prstGeom prst="rect">
             <a:avLst/>
@@ -5059,7 +5070,7 @@
             <p:ph idx="1"/>
           </p:nvPr>
         </p:nvPicPr>
-        <p:blipFill>
+        <p:blipFill rotWithShape="1">
           <a:blip r:embed="rId2" cstate="print">
             <a:extLst>
               <a:ext uri="{BEBA8EAE-BF5A-486C-A8C5-ECC9F3942E4B}">
@@ -5079,14 +5090,13 @@
               </a:ext>
             </a:extLst>
           </a:blip>
-          <a:stretch>
-            <a:fillRect/>
-          </a:stretch>
+          <a:srcRect l="16727" r="17486" b="33687"/>
+          <a:stretch/>
         </p:blipFill>
         <p:spPr>
           <a:xfrm>
-            <a:off x="1056640" y="1665701"/>
-            <a:ext cx="7030720" cy="4394199"/>
+            <a:off x="600781" y="1665701"/>
+            <a:ext cx="7942439" cy="5003659"/>
           </a:xfrm>
           <a:prstGeom prst="rect">
             <a:avLst/>
@@ -5171,7 +5181,7 @@
             <p:ph idx="1"/>
           </p:nvPr>
         </p:nvPicPr>
-        <p:blipFill>
+        <p:blipFill rotWithShape="1">
           <a:blip r:embed="rId2" cstate="print">
             <a:extLst>
               <a:ext uri="{BEBA8EAE-BF5A-486C-A8C5-ECC9F3942E4B}">
@@ -5191,14 +5201,13 @@
               </a:ext>
             </a:extLst>
           </a:blip>
-          <a:stretch>
-            <a:fillRect/>
-          </a:stretch>
+          <a:srcRect l="14559" r="14776" b="24051"/>
+          <a:stretch/>
         </p:blipFill>
         <p:spPr>
           <a:xfrm>
-            <a:off x="1056641" y="1665701"/>
-            <a:ext cx="7030718" cy="4394199"/>
+            <a:off x="820527" y="1665701"/>
+            <a:ext cx="7502946" cy="5039988"/>
           </a:xfrm>
           <a:prstGeom prst="rect">
             <a:avLst/>
